--- a/tp2-slides.pptx
+++ b/tp2-slides.pptx
@@ -228,7 +228,7 @@
             <a:fld id="{A8ADFD5B-A66C-449C-B6E8-FB716D07777D}" type="datetimeFigureOut">
               <a:rPr lang="pt-PT"/>
               <a:pPr/>
-              <a:t>02/12/18</a:t>
+              <a:t>03/12/18</a:t>
             </a:fld>
             <a:endParaRPr lang="pt-PT"/>
           </a:p>
@@ -630,17 +630,34 @@
           <a:bodyPr/>
           <a:lstStyle/>
           <a:p>
+            <a:pPr marL="171450" indent="-171450">
+              <a:buFontTx/>
+              <a:buChar char="-"/>
+            </a:pPr>
+            <a:r>
+              <a:rPr lang="en-US" dirty="0" err="1"/>
+              <a:t>pandas.dist</a:t>
+            </a:r>
+            <a:endParaRPr lang="en-US" dirty="0"/>
+          </a:p>
+          <a:p>
+            <a:pPr marL="171450" indent="-171450">
+              <a:buFontTx/>
+              <a:buChar char="-"/>
+            </a:pPr>
             <a:r>
               <a:rPr lang="en-US" dirty="0"/>
-              <a:t>- </a:t>
-            </a:r>
-            <a:r>
-              <a:rPr lang="en-US" dirty="0" err="1"/>
-              <a:t>ShuffleSplit</a:t>
-            </a:r>
+              <a:t>Matplotlib</a:t>
+            </a:r>
+          </a:p>
+          <a:p>
+            <a:pPr marL="171450" indent="-171450">
+              <a:buFontTx/>
+              <a:buChar char="-"/>
+            </a:pPr>
             <a:r>
               <a:rPr lang="en-US" dirty="0"/>
-              <a:t> K-Fold</a:t>
+              <a:t>Para pasta</a:t>
             </a:r>
           </a:p>
         </p:txBody>
@@ -663,7 +680,7 @@
             <a:fld id="{CA5D3BF3-D352-46FC-8343-31F56E6730EA}" type="slidenum">
               <a:rPr lang="en-US" smtClean="0"/>
               <a:pPr/>
-              <a:t>5</a:t>
+              <a:t>3</a:t>
             </a:fld>
             <a:endParaRPr lang="en-US"/>
           </a:p>
@@ -672,7 +689,7 @@
     </p:spTree>
     <p:extLst>
       <p:ext uri="{BB962C8B-B14F-4D97-AF65-F5344CB8AC3E}">
-        <p14:creationId xmlns:p14="http://schemas.microsoft.com/office/powerpoint/2010/main" val="434325090"/>
+        <p14:creationId xmlns:p14="http://schemas.microsoft.com/office/powerpoint/2010/main" val="184213422"/>
       </p:ext>
     </p:extLst>
   </p:cSld>
@@ -727,9 +744,126 @@
           <a:lstStyle/>
           <a:p>
             <a:r>
+              <a:rPr lang="en-US" dirty="0" err="1"/>
+              <a:t>Retirámos</a:t>
+            </a:r>
+            <a:r>
               <a:rPr lang="en-US" dirty="0"/>
-              <a:t>- </a:t>
-            </a:r>
+              <a:t> </a:t>
+            </a:r>
+            <a:r>
+              <a:rPr lang="en-US" dirty="0" err="1"/>
+              <a:t>também</a:t>
+            </a:r>
+            <a:r>
+              <a:rPr lang="en-US" dirty="0"/>
+              <a:t> as </a:t>
+            </a:r>
+            <a:r>
+              <a:rPr lang="en-US" dirty="0" err="1"/>
+              <a:t>colunas</a:t>
+            </a:r>
+            <a:r>
+              <a:rPr lang="en-US" dirty="0"/>
+              <a:t> </a:t>
+            </a:r>
+            <a:r>
+              <a:rPr lang="en-US" dirty="0" err="1"/>
+              <a:t>StudyID</a:t>
+            </a:r>
+            <a:r>
+              <a:rPr lang="en-US" dirty="0"/>
+              <a:t> e </a:t>
+            </a:r>
+            <a:r>
+              <a:rPr lang="en-US" dirty="0" err="1"/>
+              <a:t>ExamID</a:t>
+            </a:r>
+            <a:endParaRPr lang="en-US" dirty="0"/>
+          </a:p>
+        </p:txBody>
+      </p:sp>
+      <p:sp>
+        <p:nvSpPr>
+          <p:cNvPr id="4" name="Slide Number Placeholder 3"/>
+          <p:cNvSpPr>
+            <a:spLocks noGrp="1"/>
+          </p:cNvSpPr>
+          <p:nvPr>
+            <p:ph type="sldNum" sz="quarter" idx="5"/>
+          </p:nvPr>
+        </p:nvSpPr>
+        <p:spPr/>
+        <p:txBody>
+          <a:bodyPr/>
+          <a:lstStyle/>
+          <a:p>
+            <a:fld id="{CA5D3BF3-D352-46FC-8343-31F56E6730EA}" type="slidenum">
+              <a:rPr lang="en-US" smtClean="0"/>
+              <a:pPr/>
+              <a:t>4</a:t>
+            </a:fld>
+            <a:endParaRPr lang="en-US"/>
+          </a:p>
+        </p:txBody>
+      </p:sp>
+    </p:spTree>
+    <p:extLst>
+      <p:ext uri="{BB962C8B-B14F-4D97-AF65-F5344CB8AC3E}">
+        <p14:creationId xmlns:p14="http://schemas.microsoft.com/office/powerpoint/2010/main" val="527905894"/>
+      </p:ext>
+    </p:extLst>
+  </p:cSld>
+  <p:clrMapOvr>
+    <a:masterClrMapping/>
+  </p:clrMapOvr>
+</p:notes>
+</file>
+
+<file path=ppt/notesSlides/notesSlide4.xml><?xml version="1.0" encoding="utf-8"?>
+<p:notes xmlns:a="http://schemas.openxmlformats.org/drawingml/2006/main" xmlns:r="http://schemas.openxmlformats.org/officeDocument/2006/relationships" xmlns:p="http://schemas.openxmlformats.org/presentationml/2006/main">
+  <p:cSld>
+    <p:spTree>
+      <p:nvGrpSpPr>
+        <p:cNvPr id="1" name=""/>
+        <p:cNvGrpSpPr/>
+        <p:nvPr/>
+      </p:nvGrpSpPr>
+      <p:grpSpPr>
+        <a:xfrm>
+          <a:off x="0" y="0"/>
+          <a:ext cx="0" cy="0"/>
+          <a:chOff x="0" y="0"/>
+          <a:chExt cx="0" cy="0"/>
+        </a:xfrm>
+      </p:grpSpPr>
+      <p:sp>
+        <p:nvSpPr>
+          <p:cNvPr id="2" name="Slide Image Placeholder 1"/>
+          <p:cNvSpPr>
+            <a:spLocks noGrp="1" noRot="1" noChangeAspect="1"/>
+          </p:cNvSpPr>
+          <p:nvPr>
+            <p:ph type="sldImg"/>
+          </p:nvPr>
+        </p:nvSpPr>
+        <p:spPr/>
+      </p:sp>
+      <p:sp>
+        <p:nvSpPr>
+          <p:cNvPr id="3" name="Notes Placeholder 2"/>
+          <p:cNvSpPr>
+            <a:spLocks noGrp="1"/>
+          </p:cNvSpPr>
+          <p:nvPr>
+            <p:ph type="body" idx="1"/>
+          </p:nvPr>
+        </p:nvSpPr>
+        <p:spPr/>
+        <p:txBody>
+          <a:bodyPr/>
+          <a:lstStyle/>
+          <a:p>
             <a:r>
               <a:rPr lang="en-US" dirty="0" err="1"/>
               <a:t>ShuffleSplit</a:t>
@@ -738,6 +872,91 @@
               <a:rPr lang="en-US" dirty="0"/>
               <a:t> K-Fold</a:t>
             </a:r>
+          </a:p>
+        </p:txBody>
+      </p:sp>
+      <p:sp>
+        <p:nvSpPr>
+          <p:cNvPr id="4" name="Slide Number Placeholder 3"/>
+          <p:cNvSpPr>
+            <a:spLocks noGrp="1"/>
+          </p:cNvSpPr>
+          <p:nvPr>
+            <p:ph type="sldNum" sz="quarter" idx="5"/>
+          </p:nvPr>
+        </p:nvSpPr>
+        <p:spPr/>
+        <p:txBody>
+          <a:bodyPr/>
+          <a:lstStyle/>
+          <a:p>
+            <a:fld id="{CA5D3BF3-D352-46FC-8343-31F56E6730EA}" type="slidenum">
+              <a:rPr lang="en-US" smtClean="0"/>
+              <a:pPr/>
+              <a:t>5</a:t>
+            </a:fld>
+            <a:endParaRPr lang="en-US"/>
+          </a:p>
+        </p:txBody>
+      </p:sp>
+    </p:spTree>
+    <p:extLst>
+      <p:ext uri="{BB962C8B-B14F-4D97-AF65-F5344CB8AC3E}">
+        <p14:creationId xmlns:p14="http://schemas.microsoft.com/office/powerpoint/2010/main" val="434325090"/>
+      </p:ext>
+    </p:extLst>
+  </p:cSld>
+  <p:clrMapOvr>
+    <a:masterClrMapping/>
+  </p:clrMapOvr>
+</p:notes>
+</file>
+
+<file path=ppt/notesSlides/notesSlide5.xml><?xml version="1.0" encoding="utf-8"?>
+<p:notes xmlns:a="http://schemas.openxmlformats.org/drawingml/2006/main" xmlns:r="http://schemas.openxmlformats.org/officeDocument/2006/relationships" xmlns:p="http://schemas.openxmlformats.org/presentationml/2006/main">
+  <p:cSld>
+    <p:spTree>
+      <p:nvGrpSpPr>
+        <p:cNvPr id="1" name=""/>
+        <p:cNvGrpSpPr/>
+        <p:nvPr/>
+      </p:nvGrpSpPr>
+      <p:grpSpPr>
+        <a:xfrm>
+          <a:off x="0" y="0"/>
+          <a:ext cx="0" cy="0"/>
+          <a:chOff x="0" y="0"/>
+          <a:chExt cx="0" cy="0"/>
+        </a:xfrm>
+      </p:grpSpPr>
+      <p:sp>
+        <p:nvSpPr>
+          <p:cNvPr id="2" name="Slide Image Placeholder 1"/>
+          <p:cNvSpPr>
+            <a:spLocks noGrp="1" noRot="1" noChangeAspect="1"/>
+          </p:cNvSpPr>
+          <p:nvPr>
+            <p:ph type="sldImg"/>
+          </p:nvPr>
+        </p:nvSpPr>
+        <p:spPr/>
+      </p:sp>
+      <p:sp>
+        <p:nvSpPr>
+          <p:cNvPr id="3" name="Notes Placeholder 2"/>
+          <p:cNvSpPr>
+            <a:spLocks noGrp="1"/>
+          </p:cNvSpPr>
+          <p:nvPr>
+            <p:ph type="body" idx="1"/>
+          </p:nvPr>
+        </p:nvSpPr>
+        <p:spPr/>
+        <p:txBody>
+          <a:bodyPr/>
+          <a:lstStyle/>
+          <a:p>
+            <a:endParaRPr lang="en-US" dirty="0"/>
           </a:p>
         </p:txBody>
       </p:sp>
@@ -778,7 +997,7 @@
 </p:notes>
 </file>
 
-<file path=ppt/notesSlides/notesSlide4.xml><?xml version="1.0" encoding="utf-8"?>
+<file path=ppt/notesSlides/notesSlide6.xml><?xml version="1.0" encoding="utf-8"?>
 <p:notes xmlns:a="http://schemas.openxmlformats.org/drawingml/2006/main" xmlns:r="http://schemas.openxmlformats.org/officeDocument/2006/relationships" xmlns:p="http://schemas.openxmlformats.org/presentationml/2006/main">
   <p:cSld>
     <p:spTree>
@@ -1090,7 +1309,7 @@
             <a:fld id="{E4606EA6-EFEA-4C30-9264-4F9291A5780D}" type="datetime1">
               <a:rPr lang="pt-PT" smtClean="0"/>
               <a:pPr/>
-              <a:t>02/12/18</a:t>
+              <a:t>03/12/18</a:t>
             </a:fld>
             <a:endParaRPr kumimoji="0" lang="pt-PT" sz="1400">
               <a:solidFill>
@@ -1318,7 +1537,7 @@
             <a:fld id="{E4606EA6-EFEA-4C30-9264-4F9291A5780D}" type="datetime1">
               <a:rPr lang="pt-PT" smtClean="0"/>
               <a:pPr/>
-              <a:t>02/12/18</a:t>
+              <a:t>03/12/18</a:t>
             </a:fld>
             <a:endParaRPr kumimoji="0" lang="pt-PT" sz="1400">
               <a:solidFill>
@@ -1594,7 +1813,7 @@
             <a:fld id="{E4606EA6-EFEA-4C30-9264-4F9291A5780D}" type="datetime1">
               <a:rPr lang="pt-PT" smtClean="0"/>
               <a:pPr/>
-              <a:t>02/12/18</a:t>
+              <a:t>03/12/18</a:t>
             </a:fld>
             <a:endParaRPr kumimoji="0" lang="pt-PT" sz="1400">
               <a:solidFill>
@@ -1788,7 +2007,7 @@
             <a:fld id="{E4606EA6-EFEA-4C30-9264-4F9291A5780D}" type="datetime1">
               <a:rPr lang="pt-PT" smtClean="0"/>
               <a:pPr/>
-              <a:t>02/12/18</a:t>
+              <a:t>03/12/18</a:t>
             </a:fld>
             <a:endParaRPr kumimoji="0" lang="pt-PT" sz="1400">
               <a:solidFill>
@@ -2143,7 +2362,7 @@
             <a:fld id="{6FCF9F07-3BC7-4570-B054-79111B0A380C}" type="datetime1">
               <a:rPr lang="pt-PT" smtClean="0"/>
               <a:pPr/>
-              <a:t>02/12/18</a:t>
+              <a:t>03/12/18</a:t>
             </a:fld>
             <a:endParaRPr kumimoji="0" lang="pt-PT"/>
           </a:p>
@@ -2429,7 +2648,7 @@
             <a:fld id="{E4606EA6-EFEA-4C30-9264-4F9291A5780D}" type="datetime1">
               <a:rPr lang="pt-PT" smtClean="0"/>
               <a:pPr/>
-              <a:t>02/12/18</a:t>
+              <a:t>03/12/18</a:t>
             </a:fld>
             <a:endParaRPr kumimoji="0" lang="pt-PT"/>
           </a:p>
@@ -2815,7 +3034,7 @@
             <a:fld id="{E4606EA6-EFEA-4C30-9264-4F9291A5780D}" type="datetime1">
               <a:rPr lang="pt-PT" smtClean="0"/>
               <a:pPr/>
-              <a:t>02/12/18</a:t>
+              <a:t>03/12/18</a:t>
             </a:fld>
             <a:endParaRPr kumimoji="0" lang="pt-PT"/>
           </a:p>
@@ -2940,7 +3159,7 @@
             <a:fld id="{E4606EA6-EFEA-4C30-9264-4F9291A5780D}" type="datetime1">
               <a:rPr lang="pt-PT" smtClean="0"/>
               <a:pPr/>
-              <a:t>02/12/18</a:t>
+              <a:t>03/12/18</a:t>
             </a:fld>
             <a:endParaRPr kumimoji="0" lang="pt-PT" sz="1400">
               <a:solidFill>
@@ -3131,7 +3350,7 @@
             <a:fld id="{E4606EA6-EFEA-4C30-9264-4F9291A5780D}" type="datetime1">
               <a:rPr lang="pt-PT" smtClean="0"/>
               <a:pPr/>
-              <a:t>02/12/18</a:t>
+              <a:t>03/12/18</a:t>
             </a:fld>
             <a:endParaRPr kumimoji="0" lang="pt-PT" sz="1400">
               <a:solidFill>
@@ -3505,7 +3724,7 @@
             <a:fld id="{F49A8198-4617-485E-9585-4840B69DBBA6}" type="datetime1">
               <a:rPr lang="pt-PT" smtClean="0"/>
               <a:pPr/>
-              <a:t>02/12/18</a:t>
+              <a:t>03/12/18</a:t>
             </a:fld>
             <a:endParaRPr kumimoji="0" lang="pt-PT"/>
           </a:p>
@@ -3897,7 +4116,7 @@
             <a:fld id="{E4606EA6-EFEA-4C30-9264-4F9291A5780D}" type="datetime1">
               <a:rPr lang="pt-PT" smtClean="0"/>
               <a:pPr/>
-              <a:t>02/12/18</a:t>
+              <a:t>03/12/18</a:t>
             </a:fld>
             <a:endParaRPr kumimoji="0" lang="pt-PT"/>
           </a:p>
@@ -4196,7 +4415,7 @@
             <a:fld id="{E4606EA6-EFEA-4C30-9264-4F9291A5780D}" type="datetime1">
               <a:rPr lang="pt-PT" smtClean="0"/>
               <a:pPr/>
-              <a:t>02/12/18</a:t>
+              <a:t>03/12/18</a:t>
             </a:fld>
             <a:endParaRPr kumimoji="0" lang="pt-PT" sz="1400">
               <a:solidFill>
@@ -5283,7 +5502,7 @@
                 <a:latin typeface="MS UI Gothic" panose="020B0600070205080204" pitchFamily="34" charset="-128"/>
                 <a:ea typeface="MS UI Gothic" panose="020B0600070205080204" pitchFamily="34" charset="-128"/>
               </a:rPr>
-              <a:t>[0-40], “pouco stressado”</a:t>
+              <a:t>[0-39], “pouco stressado”</a:t>
             </a:r>
           </a:p>
           <a:p>
@@ -5342,10 +5561,10 @@
       </p:pic>
       <p:pic>
         <p:nvPicPr>
-          <p:cNvPr id="9" name="Picture 8">
+          <p:cNvPr id="6" name="Picture 5">
             <a:extLst>
               <a:ext uri="{FF2B5EF4-FFF2-40B4-BE49-F238E27FC236}">
-                <a16:creationId xmlns:a16="http://schemas.microsoft.com/office/drawing/2014/main" id="{4C35454E-E0E1-8C48-BB1D-101FDC3426F4}"/>
+                <a16:creationId xmlns:a16="http://schemas.microsoft.com/office/drawing/2014/main" id="{FE5AA1A5-2230-0F49-BE39-73F42EECA39D}"/>
               </a:ext>
             </a:extLst>
           </p:cNvPr>
@@ -5368,8 +5587,8 @@
         </p:blipFill>
         <p:spPr>
           <a:xfrm>
-            <a:off x="107504" y="3836644"/>
-            <a:ext cx="9001000" cy="320005"/>
+            <a:off x="103285" y="3913956"/>
+            <a:ext cx="8937429" cy="317745"/>
           </a:xfrm>
           <a:prstGeom prst="rect">
             <a:avLst/>
@@ -6090,7 +6309,7 @@
           <p:nvPr/>
         </p:nvPicPr>
         <p:blipFill>
-          <a:blip r:embed="rId2" cstate="print">
+          <a:blip r:embed="rId3" cstate="print">
             <a:extLst>
               <a:ext uri="{28A0092B-C50C-407E-A947-70E740481C1C}">
                 <a14:useLocalDpi xmlns:a14="http://schemas.microsoft.com/office/drawing/2010/main" val="0"/>
@@ -6152,46 +6371,10 @@
       </p:sp>
       <p:pic>
         <p:nvPicPr>
-          <p:cNvPr id="17" name="Picture 16">
+          <p:cNvPr id="5" name="Picture 4">
             <a:extLst>
               <a:ext uri="{FF2B5EF4-FFF2-40B4-BE49-F238E27FC236}">
-                <a16:creationId xmlns:a16="http://schemas.microsoft.com/office/drawing/2014/main" id="{F3B0DA60-382D-A545-B13A-7E3C1EEDEEA4}"/>
-              </a:ext>
-            </a:extLst>
-          </p:cNvPr>
-          <p:cNvPicPr>
-            <a:picLocks noChangeAspect="1"/>
-          </p:cNvPicPr>
-          <p:nvPr/>
-        </p:nvPicPr>
-        <p:blipFill>
-          <a:blip r:embed="rId3">
-            <a:extLst>
-              <a:ext uri="{28A0092B-C50C-407E-A947-70E740481C1C}">
-                <a14:useLocalDpi xmlns:a14="http://schemas.microsoft.com/office/drawing/2010/main" val="0"/>
-              </a:ext>
-            </a:extLst>
-          </a:blip>
-          <a:stretch>
-            <a:fillRect/>
-          </a:stretch>
-        </p:blipFill>
-        <p:spPr>
-          <a:xfrm>
-            <a:off x="514059" y="1635646"/>
-            <a:ext cx="3643108" cy="2732330"/>
-          </a:xfrm>
-          <a:prstGeom prst="rect">
-            <a:avLst/>
-          </a:prstGeom>
-        </p:spPr>
-      </p:pic>
-      <p:pic>
-        <p:nvPicPr>
-          <p:cNvPr id="19" name="Picture 18">
-            <a:extLst>
-              <a:ext uri="{FF2B5EF4-FFF2-40B4-BE49-F238E27FC236}">
-                <a16:creationId xmlns:a16="http://schemas.microsoft.com/office/drawing/2014/main" id="{A6A5EAFE-5ABC-4046-B28B-C964052475CD}"/>
+                <a16:creationId xmlns:a16="http://schemas.microsoft.com/office/drawing/2014/main" id="{ED72891F-28A2-574B-A5A4-11981640B537}"/>
               </a:ext>
             </a:extLst>
           </p:cNvPr>
@@ -6214,8 +6397,8 @@
         </p:blipFill>
         <p:spPr>
           <a:xfrm>
-            <a:off x="4373191" y="1432571"/>
-            <a:ext cx="1999009" cy="1499258"/>
+            <a:off x="4078444" y="1455148"/>
+            <a:ext cx="2110960" cy="1583220"/>
           </a:xfrm>
           <a:prstGeom prst="rect">
             <a:avLst/>
@@ -6224,10 +6407,10 @@
       </p:pic>
       <p:pic>
         <p:nvPicPr>
-          <p:cNvPr id="21" name="Picture 20">
+          <p:cNvPr id="7" name="Picture 6">
             <a:extLst>
               <a:ext uri="{FF2B5EF4-FFF2-40B4-BE49-F238E27FC236}">
-                <a16:creationId xmlns:a16="http://schemas.microsoft.com/office/drawing/2014/main" id="{5628C108-2FDE-4B4C-9A68-D173DF7E062F}"/>
+                <a16:creationId xmlns:a16="http://schemas.microsoft.com/office/drawing/2014/main" id="{0CC657BB-7C8A-F445-94C6-F4752B69D0E8}"/>
               </a:ext>
             </a:extLst>
           </p:cNvPr>
@@ -6250,8 +6433,8 @@
         </p:blipFill>
         <p:spPr>
           <a:xfrm>
-            <a:off x="4373191" y="3131282"/>
-            <a:ext cx="1999009" cy="1499257"/>
+            <a:off x="6301251" y="1462348"/>
+            <a:ext cx="2110960" cy="1583220"/>
           </a:xfrm>
           <a:prstGeom prst="rect">
             <a:avLst/>
@@ -6260,10 +6443,10 @@
       </p:pic>
       <p:pic>
         <p:nvPicPr>
-          <p:cNvPr id="23" name="Picture 22">
+          <p:cNvPr id="10" name="Picture 9">
             <a:extLst>
               <a:ext uri="{FF2B5EF4-FFF2-40B4-BE49-F238E27FC236}">
-                <a16:creationId xmlns:a16="http://schemas.microsoft.com/office/drawing/2014/main" id="{B3E3568B-AA8B-F14B-ADF5-F514B39FCE78}"/>
+                <a16:creationId xmlns:a16="http://schemas.microsoft.com/office/drawing/2014/main" id="{36F3AB54-4BD4-5142-864E-03E696B00920}"/>
               </a:ext>
             </a:extLst>
           </p:cNvPr>
@@ -6286,8 +6469,8 @@
         </p:blipFill>
         <p:spPr>
           <a:xfrm>
-            <a:off x="6588224" y="3131281"/>
-            <a:ext cx="1999009" cy="1499257"/>
+            <a:off x="4078444" y="3114390"/>
+            <a:ext cx="2110960" cy="1583220"/>
           </a:xfrm>
           <a:prstGeom prst="rect">
             <a:avLst/>
@@ -6296,10 +6479,10 @@
       </p:pic>
       <p:pic>
         <p:nvPicPr>
-          <p:cNvPr id="25" name="Picture 24">
+          <p:cNvPr id="12" name="Picture 11">
             <a:extLst>
               <a:ext uri="{FF2B5EF4-FFF2-40B4-BE49-F238E27FC236}">
-                <a16:creationId xmlns:a16="http://schemas.microsoft.com/office/drawing/2014/main" id="{F91F8170-9337-5742-9DA6-AA63E5AAA556}"/>
+                <a16:creationId xmlns:a16="http://schemas.microsoft.com/office/drawing/2014/main" id="{59AE2590-C071-7E46-B068-A9D0E5A453DF}"/>
               </a:ext>
             </a:extLst>
           </p:cNvPr>
@@ -6322,8 +6505,44 @@
         </p:blipFill>
         <p:spPr>
           <a:xfrm>
-            <a:off x="6588224" y="1432570"/>
-            <a:ext cx="1999009" cy="1499257"/>
+            <a:off x="6301251" y="3122982"/>
+            <a:ext cx="2110960" cy="1583220"/>
+          </a:xfrm>
+          <a:prstGeom prst="rect">
+            <a:avLst/>
+          </a:prstGeom>
+        </p:spPr>
+      </p:pic>
+      <p:pic>
+        <p:nvPicPr>
+          <p:cNvPr id="14" name="Picture 13">
+            <a:extLst>
+              <a:ext uri="{FF2B5EF4-FFF2-40B4-BE49-F238E27FC236}">
+                <a16:creationId xmlns:a16="http://schemas.microsoft.com/office/drawing/2014/main" id="{76770B39-F887-B141-9BFE-59FB69EFB492}"/>
+              </a:ext>
+            </a:extLst>
+          </p:cNvPr>
+          <p:cNvPicPr>
+            <a:picLocks noChangeAspect="1"/>
+          </p:cNvPicPr>
+          <p:nvPr/>
+        </p:nvPicPr>
+        <p:blipFill>
+          <a:blip r:embed="rId8">
+            <a:extLst>
+              <a:ext uri="{28A0092B-C50C-407E-A947-70E740481C1C}">
+                <a14:useLocalDpi xmlns:a14="http://schemas.microsoft.com/office/drawing/2010/main" val="0"/>
+              </a:ext>
+            </a:extLst>
+          </a:blip>
+          <a:stretch>
+            <a:fillRect/>
+          </a:stretch>
+        </p:blipFill>
+        <p:spPr>
+          <a:xfrm>
+            <a:off x="539552" y="1782809"/>
+            <a:ext cx="3348157" cy="2511118"/>
           </a:xfrm>
           <a:prstGeom prst="rect">
             <a:avLst/>
@@ -6444,7 +6663,7 @@
           <p:nvPr/>
         </p:nvPicPr>
         <p:blipFill>
-          <a:blip r:embed="rId2" cstate="print">
+          <a:blip r:embed="rId3" cstate="print">
             <a:extLst>
               <a:ext uri="{28A0092B-C50C-407E-A947-70E740481C1C}">
                 <a14:useLocalDpi xmlns:a14="http://schemas.microsoft.com/office/drawing/2010/main" val="0"/>
@@ -6641,42 +6860,6 @@
             <a:extLst>
               <a:ext uri="{FF2B5EF4-FFF2-40B4-BE49-F238E27FC236}">
                 <a16:creationId xmlns:a16="http://schemas.microsoft.com/office/drawing/2014/main" id="{D2E2490F-8737-5C4F-B13B-6B12766A2CAA}"/>
-              </a:ext>
-            </a:extLst>
-          </p:cNvPr>
-          <p:cNvPicPr>
-            <a:picLocks noChangeAspect="1"/>
-          </p:cNvPicPr>
-          <p:nvPr/>
-        </p:nvPicPr>
-        <p:blipFill>
-          <a:blip r:embed="rId3">
-            <a:extLst>
-              <a:ext uri="{28A0092B-C50C-407E-A947-70E740481C1C}">
-                <a14:useLocalDpi xmlns:a14="http://schemas.microsoft.com/office/drawing/2010/main" val="0"/>
-              </a:ext>
-            </a:extLst>
-          </a:blip>
-          <a:stretch>
-            <a:fillRect/>
-          </a:stretch>
-        </p:blipFill>
-        <p:spPr>
-          <a:xfrm>
-            <a:off x="5181883" y="1529180"/>
-            <a:ext cx="3060700" cy="254000"/>
-          </a:xfrm>
-          <a:prstGeom prst="rect">
-            <a:avLst/>
-          </a:prstGeom>
-        </p:spPr>
-      </p:pic>
-      <p:pic>
-        <p:nvPicPr>
-          <p:cNvPr id="7" name="Picture 6">
-            <a:extLst>
-              <a:ext uri="{FF2B5EF4-FFF2-40B4-BE49-F238E27FC236}">
-                <a16:creationId xmlns:a16="http://schemas.microsoft.com/office/drawing/2014/main" id="{D9F8C0C4-69AF-7446-9C15-0F5E5D6B2E84}"/>
               </a:ext>
             </a:extLst>
           </p:cNvPr>
@@ -6699,8 +6882,8 @@
         </p:blipFill>
         <p:spPr>
           <a:xfrm>
-            <a:off x="4876876" y="2034035"/>
-            <a:ext cx="3800951" cy="1353218"/>
+            <a:off x="5181883" y="1529180"/>
+            <a:ext cx="3060700" cy="254000"/>
           </a:xfrm>
           <a:prstGeom prst="rect">
             <a:avLst/>
@@ -6709,10 +6892,10 @@
       </p:pic>
       <p:pic>
         <p:nvPicPr>
-          <p:cNvPr id="10" name="Picture 9">
+          <p:cNvPr id="7" name="Picture 6">
             <a:extLst>
               <a:ext uri="{FF2B5EF4-FFF2-40B4-BE49-F238E27FC236}">
-                <a16:creationId xmlns:a16="http://schemas.microsoft.com/office/drawing/2014/main" id="{051027C1-26CC-F941-8BD5-5D98289E872A}"/>
+                <a16:creationId xmlns:a16="http://schemas.microsoft.com/office/drawing/2014/main" id="{D9F8C0C4-69AF-7446-9C15-0F5E5D6B2E84}"/>
               </a:ext>
             </a:extLst>
           </p:cNvPr>
@@ -6735,6 +6918,42 @@
         </p:blipFill>
         <p:spPr>
           <a:xfrm>
+            <a:off x="4876876" y="2034035"/>
+            <a:ext cx="3800951" cy="1353218"/>
+          </a:xfrm>
+          <a:prstGeom prst="rect">
+            <a:avLst/>
+          </a:prstGeom>
+        </p:spPr>
+      </p:pic>
+      <p:pic>
+        <p:nvPicPr>
+          <p:cNvPr id="10" name="Picture 9">
+            <a:extLst>
+              <a:ext uri="{FF2B5EF4-FFF2-40B4-BE49-F238E27FC236}">
+                <a16:creationId xmlns:a16="http://schemas.microsoft.com/office/drawing/2014/main" id="{051027C1-26CC-F941-8BD5-5D98289E872A}"/>
+              </a:ext>
+            </a:extLst>
+          </p:cNvPr>
+          <p:cNvPicPr>
+            <a:picLocks noChangeAspect="1"/>
+          </p:cNvPicPr>
+          <p:nvPr/>
+        </p:nvPicPr>
+        <p:blipFill>
+          <a:blip r:embed="rId6">
+            <a:extLst>
+              <a:ext uri="{28A0092B-C50C-407E-A947-70E740481C1C}">
+                <a14:useLocalDpi xmlns:a14="http://schemas.microsoft.com/office/drawing/2010/main" val="0"/>
+              </a:ext>
+            </a:extLst>
+          </a:blip>
+          <a:stretch>
+            <a:fillRect/>
+          </a:stretch>
+        </p:blipFill>
+        <p:spPr>
+          <a:xfrm>
             <a:off x="257235" y="3572833"/>
             <a:ext cx="4924648" cy="545893"/>
           </a:xfrm>
@@ -6758,7 +6977,7 @@
           <p:nvPr/>
         </p:nvPicPr>
         <p:blipFill>
-          <a:blip r:embed="rId6">
+          <a:blip r:embed="rId7">
             <a:extLst>
               <a:ext uri="{28A0092B-C50C-407E-A947-70E740481C1C}">
                 <a14:useLocalDpi xmlns:a14="http://schemas.microsoft.com/office/drawing/2010/main" val="0"/>
@@ -7674,7 +7893,7 @@
         </p:blipFill>
         <p:spPr>
           <a:xfrm>
-            <a:off x="4312556" y="2260411"/>
+            <a:off x="4297524" y="2345130"/>
             <a:ext cx="4099655" cy="1361182"/>
           </a:xfrm>
           <a:prstGeom prst="rect">
@@ -7732,8 +7951,8 @@
         </p:nvSpPr>
         <p:spPr>
           <a:xfrm>
-            <a:off x="827584" y="1328063"/>
-            <a:ext cx="5920038" cy="1585499"/>
+            <a:off x="827584" y="1556227"/>
+            <a:ext cx="5920038" cy="1654748"/>
           </a:xfrm>
           <a:prstGeom prst="rect">
             <a:avLst/>
@@ -7748,7 +7967,7 @@
           <a:p>
             <a:pPr marL="285750" indent="-285750">
               <a:lnSpc>
-                <a:spcPct val="300000"/>
+                <a:spcPct val="200000"/>
               </a:lnSpc>
               <a:buFont typeface="Arial" panose="020B0604020202020204" pitchFamily="34" charset="0"/>
               <a:buChar char="•"/>
@@ -7810,7 +8029,48 @@
           <a:p>
             <a:pPr marL="285750" indent="-285750">
               <a:lnSpc>
-                <a:spcPct val="300000"/>
+                <a:spcPct val="200000"/>
+              </a:lnSpc>
+              <a:buFont typeface="Arial" panose="020B0604020202020204" pitchFamily="34" charset="0"/>
+              <a:buChar char="•"/>
+            </a:pPr>
+            <a:r>
+              <a:rPr lang="pt-PT" dirty="0">
+                <a:latin typeface="MS UI Gothic" panose="020B0600070205080204" pitchFamily="34" charset="-128"/>
+                <a:ea typeface="MS UI Gothic" panose="020B0600070205080204" pitchFamily="34" charset="-128"/>
+              </a:rPr>
+              <a:t>K-</a:t>
+            </a:r>
+            <a:r>
+              <a:rPr lang="pt-PT" dirty="0" err="1">
+                <a:latin typeface="MS UI Gothic" panose="020B0600070205080204" pitchFamily="34" charset="-128"/>
+                <a:ea typeface="MS UI Gothic" panose="020B0600070205080204" pitchFamily="34" charset="-128"/>
+              </a:rPr>
+              <a:t>Fold</a:t>
+            </a:r>
+            <a:r>
+              <a:rPr lang="pt-PT" dirty="0">
+                <a:latin typeface="MS UI Gothic" panose="020B0600070205080204" pitchFamily="34" charset="-128"/>
+                <a:ea typeface="MS UI Gothic" panose="020B0600070205080204" pitchFamily="34" charset="-128"/>
+              </a:rPr>
+              <a:t> Cross </a:t>
+            </a:r>
+            <a:r>
+              <a:rPr lang="pt-PT" dirty="0" err="1">
+                <a:latin typeface="MS UI Gothic" panose="020B0600070205080204" pitchFamily="34" charset="-128"/>
+                <a:ea typeface="MS UI Gothic" panose="020B0600070205080204" pitchFamily="34" charset="-128"/>
+              </a:rPr>
+              <a:t>Validation</a:t>
+            </a:r>
+            <a:endParaRPr lang="pt-PT" dirty="0">
+              <a:latin typeface="MS UI Gothic" panose="020B0600070205080204" pitchFamily="34" charset="-128"/>
+              <a:ea typeface="MS UI Gothic" panose="020B0600070205080204" pitchFamily="34" charset="-128"/>
+            </a:endParaRPr>
+          </a:p>
+          <a:p>
+            <a:pPr marL="285750" indent="-285750">
+              <a:lnSpc>
+                <a:spcPct val="200000"/>
               </a:lnSpc>
               <a:buFont typeface="Arial" panose="020B0604020202020204" pitchFamily="34" charset="0"/>
               <a:buChar char="•"/>
@@ -8247,7 +8507,7 @@
         </p:nvSpPr>
         <p:spPr>
           <a:xfrm>
-            <a:off x="308260" y="1475605"/>
+            <a:off x="311166" y="1410164"/>
             <a:ext cx="7416824" cy="546753"/>
           </a:xfrm>
           <a:prstGeom prst="rect">
@@ -8294,10 +8554,10 @@
       </p:sp>
       <p:pic>
         <p:nvPicPr>
-          <p:cNvPr id="7" name="Picture 6">
+          <p:cNvPr id="5" name="Picture 4">
             <a:extLst>
               <a:ext uri="{FF2B5EF4-FFF2-40B4-BE49-F238E27FC236}">
-                <a16:creationId xmlns:a16="http://schemas.microsoft.com/office/drawing/2014/main" id="{E636E152-FCF7-6244-83C8-D92C504A2144}"/>
+                <a16:creationId xmlns:a16="http://schemas.microsoft.com/office/drawing/2014/main" id="{A74C0B1A-109E-0C4D-9C65-CF9F3CBD7D6E}"/>
               </a:ext>
             </a:extLst>
           </p:cNvPr>
@@ -8320,8 +8580,8 @@
         </p:blipFill>
         <p:spPr>
           <a:xfrm>
-            <a:off x="6594968" y="1787253"/>
-            <a:ext cx="1825755" cy="1369316"/>
+            <a:off x="723277" y="3308898"/>
+            <a:ext cx="7697446" cy="1342444"/>
           </a:xfrm>
           <a:prstGeom prst="rect">
             <a:avLst/>
@@ -8330,10 +8590,10 @@
       </p:pic>
       <p:pic>
         <p:nvPicPr>
-          <p:cNvPr id="9" name="Picture 8">
+          <p:cNvPr id="6" name="Picture 5">
             <a:extLst>
               <a:ext uri="{FF2B5EF4-FFF2-40B4-BE49-F238E27FC236}">
-                <a16:creationId xmlns:a16="http://schemas.microsoft.com/office/drawing/2014/main" id="{1A1C2E65-7F47-6840-9883-6CC84396C444}"/>
+                <a16:creationId xmlns:a16="http://schemas.microsoft.com/office/drawing/2014/main" id="{8A253F1B-47AD-9D47-A004-186EC256DFE9}"/>
               </a:ext>
             </a:extLst>
           </p:cNvPr>
@@ -8356,8 +8616,8 @@
         </p:blipFill>
         <p:spPr>
           <a:xfrm>
-            <a:off x="723277" y="2184516"/>
-            <a:ext cx="1296069" cy="972053"/>
+            <a:off x="311166" y="2048276"/>
+            <a:ext cx="1480333" cy="1110250"/>
           </a:xfrm>
           <a:prstGeom prst="rect">
             <a:avLst/>
@@ -8366,10 +8626,10 @@
       </p:pic>
       <p:pic>
         <p:nvPicPr>
-          <p:cNvPr id="10" name="Picture 9">
+          <p:cNvPr id="15" name="Picture 14">
             <a:extLst>
               <a:ext uri="{FF2B5EF4-FFF2-40B4-BE49-F238E27FC236}">
-                <a16:creationId xmlns:a16="http://schemas.microsoft.com/office/drawing/2014/main" id="{D0E9BEDD-9FB7-3040-BC28-AC709C093423}"/>
+                <a16:creationId xmlns:a16="http://schemas.microsoft.com/office/drawing/2014/main" id="{72FB9462-DE76-504A-B712-730EC1450EF7}"/>
               </a:ext>
             </a:extLst>
           </p:cNvPr>
@@ -8392,8 +8652,8 @@
         </p:blipFill>
         <p:spPr>
           <a:xfrm>
-            <a:off x="3662265" y="2201357"/>
-            <a:ext cx="1296069" cy="972051"/>
+            <a:off x="1907704" y="2028019"/>
+            <a:ext cx="1480333" cy="1110250"/>
           </a:xfrm>
           <a:prstGeom prst="rect">
             <a:avLst/>
@@ -8402,10 +8662,10 @@
       </p:pic>
       <p:pic>
         <p:nvPicPr>
-          <p:cNvPr id="11" name="Picture 10">
+          <p:cNvPr id="17" name="Picture 16">
             <a:extLst>
               <a:ext uri="{FF2B5EF4-FFF2-40B4-BE49-F238E27FC236}">
-                <a16:creationId xmlns:a16="http://schemas.microsoft.com/office/drawing/2014/main" id="{509895D5-EEEC-FC4C-B72D-2AC683B483D9}"/>
+                <a16:creationId xmlns:a16="http://schemas.microsoft.com/office/drawing/2014/main" id="{31201A65-CA5D-8549-997B-F8B7B9966DFF}"/>
               </a:ext>
             </a:extLst>
           </p:cNvPr>
@@ -8428,8 +8688,8 @@
         </p:blipFill>
         <p:spPr>
           <a:xfrm>
-            <a:off x="5141883" y="2201357"/>
-            <a:ext cx="1296069" cy="972051"/>
+            <a:off x="3504242" y="2048398"/>
+            <a:ext cx="1480333" cy="1110250"/>
           </a:xfrm>
           <a:prstGeom prst="rect">
             <a:avLst/>
@@ -8438,10 +8698,10 @@
       </p:pic>
       <p:pic>
         <p:nvPicPr>
-          <p:cNvPr id="12" name="Picture 11">
+          <p:cNvPr id="19" name="Picture 18">
             <a:extLst>
               <a:ext uri="{FF2B5EF4-FFF2-40B4-BE49-F238E27FC236}">
-                <a16:creationId xmlns:a16="http://schemas.microsoft.com/office/drawing/2014/main" id="{B8A5DBCB-83DA-EC42-ABD3-0B18F68B9343}"/>
+                <a16:creationId xmlns:a16="http://schemas.microsoft.com/office/drawing/2014/main" id="{C3C5BAF5-FB81-3440-B4AA-A3C172008092}"/>
               </a:ext>
             </a:extLst>
           </p:cNvPr>
@@ -8464,8 +8724,8 @@
         </p:blipFill>
         <p:spPr>
           <a:xfrm>
-            <a:off x="2182647" y="2194971"/>
-            <a:ext cx="1296069" cy="972051"/>
+            <a:off x="5100780" y="2048276"/>
+            <a:ext cx="1480333" cy="1110250"/>
           </a:xfrm>
           <a:prstGeom prst="rect">
             <a:avLst/>
@@ -8474,10 +8734,10 @@
       </p:pic>
       <p:pic>
         <p:nvPicPr>
-          <p:cNvPr id="5" name="Picture 4">
+          <p:cNvPr id="21" name="Picture 20">
             <a:extLst>
               <a:ext uri="{FF2B5EF4-FFF2-40B4-BE49-F238E27FC236}">
-                <a16:creationId xmlns:a16="http://schemas.microsoft.com/office/drawing/2014/main" id="{A74C0B1A-109E-0C4D-9C65-CF9F3CBD7D6E}"/>
+                <a16:creationId xmlns:a16="http://schemas.microsoft.com/office/drawing/2014/main" id="{79EC33B9-2BAF-CB47-BEFD-D0D0B4682AB4}"/>
               </a:ext>
             </a:extLst>
           </p:cNvPr>
@@ -8500,8 +8760,8 @@
         </p:blipFill>
         <p:spPr>
           <a:xfrm>
-            <a:off x="723277" y="3300729"/>
-            <a:ext cx="7697446" cy="1342444"/>
+            <a:off x="6696838" y="1665059"/>
+            <a:ext cx="1991289" cy="1493467"/>
           </a:xfrm>
           <a:prstGeom prst="rect">
             <a:avLst/>
